--- a/Framework Bootstrap.pptx
+++ b/Framework Bootstrap.pptx
@@ -10,6 +10,7 @@
     <p:sldId id="259" r:id="rId4"/>
     <p:sldId id="260" r:id="rId5"/>
     <p:sldId id="261" r:id="rId6"/>
+    <p:sldId id="262" r:id="rId7"/>
   </p:sldIdLst>
   <p:sldSz cx="12192000" cy="6858000"/>
   <p:notesSz cx="6858000" cy="9144000"/>
@@ -108,6 +109,11 @@
       </a:defRPr>
     </a:lvl9pPr>
   </p:defaultTextStyle>
+  <p:extLst>
+    <p:ext uri="{EFAFB233-063F-42B5-8137-9DF3F51BA10A}">
+      <p15:sldGuideLst xmlns:p15="http://schemas.microsoft.com/office/powerpoint/2012/main"/>
+    </p:ext>
+  </p:extLst>
 </p:presentation>
 </file>
 
@@ -242,7 +248,7 @@
           <a:p>
             <a:fld id="{AC4F6EED-2C39-4A2E-9C96-BA9BB3534E7E}" type="datetimeFigureOut">
               <a:rPr lang="pt-BR" smtClean="0"/>
-              <a:t>26/09/2017</a:t>
+              <a:t>27/09/2017</a:t>
             </a:fld>
             <a:endParaRPr lang="pt-BR"/>
           </a:p>
@@ -412,7 +418,7 @@
           <a:p>
             <a:fld id="{AC4F6EED-2C39-4A2E-9C96-BA9BB3534E7E}" type="datetimeFigureOut">
               <a:rPr lang="pt-BR" smtClean="0"/>
-              <a:t>26/09/2017</a:t>
+              <a:t>27/09/2017</a:t>
             </a:fld>
             <a:endParaRPr lang="pt-BR"/>
           </a:p>
@@ -592,7 +598,7 @@
           <a:p>
             <a:fld id="{AC4F6EED-2C39-4A2E-9C96-BA9BB3534E7E}" type="datetimeFigureOut">
               <a:rPr lang="pt-BR" smtClean="0"/>
-              <a:t>26/09/2017</a:t>
+              <a:t>27/09/2017</a:t>
             </a:fld>
             <a:endParaRPr lang="pt-BR"/>
           </a:p>
@@ -762,7 +768,7 @@
           <a:p>
             <a:fld id="{AC4F6EED-2C39-4A2E-9C96-BA9BB3534E7E}" type="datetimeFigureOut">
               <a:rPr lang="pt-BR" smtClean="0"/>
-              <a:t>26/09/2017</a:t>
+              <a:t>27/09/2017</a:t>
             </a:fld>
             <a:endParaRPr lang="pt-BR"/>
           </a:p>
@@ -1008,7 +1014,7 @@
           <a:p>
             <a:fld id="{AC4F6EED-2C39-4A2E-9C96-BA9BB3534E7E}" type="datetimeFigureOut">
               <a:rPr lang="pt-BR" smtClean="0"/>
-              <a:t>26/09/2017</a:t>
+              <a:t>27/09/2017</a:t>
             </a:fld>
             <a:endParaRPr lang="pt-BR"/>
           </a:p>
@@ -1240,7 +1246,7 @@
           <a:p>
             <a:fld id="{AC4F6EED-2C39-4A2E-9C96-BA9BB3534E7E}" type="datetimeFigureOut">
               <a:rPr lang="pt-BR" smtClean="0"/>
-              <a:t>26/09/2017</a:t>
+              <a:t>27/09/2017</a:t>
             </a:fld>
             <a:endParaRPr lang="pt-BR"/>
           </a:p>
@@ -1607,7 +1613,7 @@
           <a:p>
             <a:fld id="{AC4F6EED-2C39-4A2E-9C96-BA9BB3534E7E}" type="datetimeFigureOut">
               <a:rPr lang="pt-BR" smtClean="0"/>
-              <a:t>26/09/2017</a:t>
+              <a:t>27/09/2017</a:t>
             </a:fld>
             <a:endParaRPr lang="pt-BR"/>
           </a:p>
@@ -1725,7 +1731,7 @@
           <a:p>
             <a:fld id="{AC4F6EED-2C39-4A2E-9C96-BA9BB3534E7E}" type="datetimeFigureOut">
               <a:rPr lang="pt-BR" smtClean="0"/>
-              <a:t>26/09/2017</a:t>
+              <a:t>27/09/2017</a:t>
             </a:fld>
             <a:endParaRPr lang="pt-BR"/>
           </a:p>
@@ -1820,7 +1826,7 @@
           <a:p>
             <a:fld id="{AC4F6EED-2C39-4A2E-9C96-BA9BB3534E7E}" type="datetimeFigureOut">
               <a:rPr lang="pt-BR" smtClean="0"/>
-              <a:t>26/09/2017</a:t>
+              <a:t>27/09/2017</a:t>
             </a:fld>
             <a:endParaRPr lang="pt-BR"/>
           </a:p>
@@ -2097,7 +2103,7 @@
           <a:p>
             <a:fld id="{AC4F6EED-2C39-4A2E-9C96-BA9BB3534E7E}" type="datetimeFigureOut">
               <a:rPr lang="pt-BR" smtClean="0"/>
-              <a:t>26/09/2017</a:t>
+              <a:t>27/09/2017</a:t>
             </a:fld>
             <a:endParaRPr lang="pt-BR"/>
           </a:p>
@@ -2350,7 +2356,7 @@
           <a:p>
             <a:fld id="{AC4F6EED-2C39-4A2E-9C96-BA9BB3534E7E}" type="datetimeFigureOut">
               <a:rPr lang="pt-BR" smtClean="0"/>
-              <a:t>26/09/2017</a:t>
+              <a:t>27/09/2017</a:t>
             </a:fld>
             <a:endParaRPr lang="pt-BR"/>
           </a:p>
@@ -2563,7 +2569,7 @@
           <a:p>
             <a:fld id="{AC4F6EED-2C39-4A2E-9C96-BA9BB3534E7E}" type="datetimeFigureOut">
               <a:rPr lang="pt-BR" smtClean="0"/>
-              <a:t>26/09/2017</a:t>
+              <a:t>27/09/2017</a:t>
             </a:fld>
             <a:endParaRPr lang="pt-BR"/>
           </a:p>
@@ -3901,6 +3907,262 @@
 </p:sld>
 </file>
 
+<file path=ppt/slides/slide6.xml><?xml version="1.0" encoding="utf-8"?>
+<p:sld xmlns:a="http://schemas.openxmlformats.org/drawingml/2006/main" xmlns:r="http://schemas.openxmlformats.org/officeDocument/2006/relationships" xmlns:p="http://schemas.openxmlformats.org/presentationml/2006/main">
+  <p:cSld>
+    <p:spTree>
+      <p:nvGrpSpPr>
+        <p:cNvPr id="1" name=""/>
+        <p:cNvGrpSpPr/>
+        <p:nvPr/>
+      </p:nvGrpSpPr>
+      <p:grpSpPr>
+        <a:xfrm>
+          <a:off x="0" y="0"/>
+          <a:ext cx="0" cy="0"/>
+          <a:chOff x="0" y="0"/>
+          <a:chExt cx="0" cy="0"/>
+        </a:xfrm>
+      </p:grpSpPr>
+      <p:grpSp>
+        <p:nvGrpSpPr>
+          <p:cNvPr id="3" name="Grupo 2"/>
+          <p:cNvGrpSpPr/>
+          <p:nvPr/>
+        </p:nvGrpSpPr>
+        <p:grpSpPr>
+          <a:xfrm>
+            <a:off x="-687978" y="0"/>
+            <a:ext cx="12879978" cy="9196251"/>
+            <a:chOff x="-687978" y="0"/>
+            <a:chExt cx="12879978" cy="9196251"/>
+          </a:xfrm>
+        </p:grpSpPr>
+        <p:pic>
+          <p:nvPicPr>
+            <p:cNvPr id="2054" name="Picture 6" descr="Resultado de imagem para wallpaper codigo html"/>
+            <p:cNvPicPr>
+              <a:picLocks noChangeAspect="1" noChangeArrowheads="1"/>
+            </p:cNvPicPr>
+            <p:nvPr/>
+          </p:nvPicPr>
+          <p:blipFill>
+            <a:blip r:embed="rId2">
+              <a:extLst>
+                <a:ext uri="{28A0092B-C50C-407E-A947-70E740481C1C}">
+                  <a14:useLocalDpi xmlns:a14="http://schemas.microsoft.com/office/drawing/2010/main" val="0"/>
+                </a:ext>
+              </a:extLst>
+            </a:blip>
+            <a:srcRect/>
+            <a:stretch>
+              <a:fillRect/>
+            </a:stretch>
+          </p:blipFill>
+          <p:spPr bwMode="auto">
+            <a:xfrm>
+              <a:off x="2364377" y="0"/>
+              <a:ext cx="9827623" cy="6858000"/>
+            </a:xfrm>
+            <a:prstGeom prst="rect">
+              <a:avLst/>
+            </a:prstGeom>
+            <a:noFill/>
+            <a:extLst>
+              <a:ext uri="{909E8E84-426E-40DD-AFC4-6F175D3DCCD1}">
+                <a14:hiddenFill xmlns:a14="http://schemas.microsoft.com/office/drawing/2010/main">
+                  <a:solidFill>
+                    <a:srgbClr val="FFFFFF"/>
+                  </a:solidFill>
+                </a14:hiddenFill>
+              </a:ext>
+            </a:extLst>
+          </p:spPr>
+        </p:pic>
+        <p:pic>
+          <p:nvPicPr>
+            <p:cNvPr id="2050" name="Picture 2" descr="Resultado de imagem para bootstrap logo"/>
+            <p:cNvPicPr>
+              <a:picLocks noChangeAspect="1" noChangeArrowheads="1"/>
+            </p:cNvPicPr>
+            <p:nvPr/>
+          </p:nvPicPr>
+          <p:blipFill>
+            <a:blip r:embed="rId3" cstate="print">
+              <a:extLst>
+                <a:ext uri="{28A0092B-C50C-407E-A947-70E740481C1C}">
+                  <a14:useLocalDpi xmlns:a14="http://schemas.microsoft.com/office/drawing/2010/main" val="0"/>
+                </a:ext>
+              </a:extLst>
+            </a:blip>
+            <a:srcRect/>
+            <a:stretch>
+              <a:fillRect/>
+            </a:stretch>
+          </p:blipFill>
+          <p:spPr bwMode="auto">
+            <a:xfrm>
+              <a:off x="9068437" y="4097268"/>
+              <a:ext cx="2571907" cy="2160000"/>
+            </a:xfrm>
+            <a:prstGeom prst="rect">
+              <a:avLst/>
+            </a:prstGeom>
+            <a:noFill/>
+            <a:extLst>
+              <a:ext uri="{909E8E84-426E-40DD-AFC4-6F175D3DCCD1}">
+                <a14:hiddenFill xmlns:a14="http://schemas.microsoft.com/office/drawing/2010/main">
+                  <a:solidFill>
+                    <a:srgbClr val="FFFFFF"/>
+                  </a:solidFill>
+                </a14:hiddenFill>
+              </a:ext>
+            </a:extLst>
+          </p:spPr>
+        </p:pic>
+        <p:sp>
+          <p:nvSpPr>
+            <p:cNvPr id="2" name="Triângulo retângulo 1"/>
+            <p:cNvSpPr/>
+            <p:nvPr/>
+          </p:nvSpPr>
+          <p:spPr>
+            <a:xfrm rot="10800000" flipH="1">
+              <a:off x="-687978" y="0"/>
+              <a:ext cx="12879978" cy="9196251"/>
+            </a:xfrm>
+            <a:prstGeom prst="rtTriangle">
+              <a:avLst/>
+            </a:prstGeom>
+            <a:solidFill>
+              <a:srgbClr val="7030A0"/>
+            </a:solidFill>
+            <a:ln>
+              <a:noFill/>
+            </a:ln>
+          </p:spPr>
+          <p:style>
+            <a:lnRef idx="2">
+              <a:schemeClr val="accent1">
+                <a:shade val="50000"/>
+              </a:schemeClr>
+            </a:lnRef>
+            <a:fillRef idx="1">
+              <a:schemeClr val="accent1"/>
+            </a:fillRef>
+            <a:effectRef idx="0">
+              <a:schemeClr val="accent1"/>
+            </a:effectRef>
+            <a:fontRef idx="minor">
+              <a:schemeClr val="lt1"/>
+            </a:fontRef>
+          </p:style>
+          <p:txBody>
+            <a:bodyPr rtlCol="0" anchor="ctr"/>
+            <a:lstStyle/>
+            <a:p>
+              <a:pPr algn="ctr"/>
+              <a:endParaRPr lang="pt-BR" dirty="0"/>
+            </a:p>
+          </p:txBody>
+        </p:sp>
+      </p:grpSp>
+      <p:sp>
+        <p:nvSpPr>
+          <p:cNvPr id="6" name="CaixaDeTexto 5"/>
+          <p:cNvSpPr txBox="1"/>
+          <p:nvPr/>
+        </p:nvSpPr>
+        <p:spPr>
+          <a:xfrm>
+            <a:off x="1170376" y="1296537"/>
+            <a:ext cx="2630848" cy="1015663"/>
+          </a:xfrm>
+          <a:prstGeom prst="rect">
+            <a:avLst/>
+          </a:prstGeom>
+          <a:noFill/>
+        </p:spPr>
+        <p:txBody>
+          <a:bodyPr wrap="none" rtlCol="0">
+            <a:spAutoFit/>
+          </a:bodyPr>
+          <a:lstStyle/>
+          <a:p>
+            <a:r>
+              <a:rPr lang="pt-BR" sz="6000" dirty="0" smtClean="0">
+                <a:solidFill>
+                  <a:schemeClr val="bg1"/>
+                </a:solidFill>
+              </a:rPr>
+              <a:t>GITHUB</a:t>
+            </a:r>
+            <a:endParaRPr lang="pt-BR" sz="6000" dirty="0">
+              <a:solidFill>
+                <a:schemeClr val="bg1"/>
+              </a:solidFill>
+            </a:endParaRPr>
+          </a:p>
+        </p:txBody>
+      </p:sp>
+      <p:sp>
+        <p:nvSpPr>
+          <p:cNvPr id="7" name="CaixaDeTexto 6"/>
+          <p:cNvSpPr txBox="1"/>
+          <p:nvPr/>
+        </p:nvSpPr>
+        <p:spPr>
+          <a:xfrm>
+            <a:off x="0" y="2875002"/>
+            <a:ext cx="6384155" cy="1107996"/>
+          </a:xfrm>
+          <a:prstGeom prst="rect">
+            <a:avLst/>
+          </a:prstGeom>
+          <a:noFill/>
+        </p:spPr>
+        <p:txBody>
+          <a:bodyPr wrap="square" rtlCol="0">
+            <a:spAutoFit/>
+          </a:bodyPr>
+          <a:lstStyle/>
+          <a:p>
+            <a:r>
+              <a:rPr lang="pt-BR" sz="3300" b="1" dirty="0" smtClean="0">
+                <a:solidFill>
+                  <a:schemeClr val="bg1"/>
+                </a:solidFill>
+              </a:rPr>
+              <a:t>https://www.github.com/ivescruz/trabalhoframework</a:t>
+            </a:r>
+            <a:endParaRPr lang="pt-BR" sz="3300" b="1" dirty="0">
+              <a:solidFill>
+                <a:schemeClr val="bg1"/>
+              </a:solidFill>
+            </a:endParaRPr>
+          </a:p>
+        </p:txBody>
+      </p:sp>
+    </p:spTree>
+    <p:extLst>
+      <p:ext uri="{BB962C8B-B14F-4D97-AF65-F5344CB8AC3E}">
+        <p14:creationId xmlns:p14="http://schemas.microsoft.com/office/powerpoint/2010/main" val="1536770104"/>
+      </p:ext>
+    </p:extLst>
+  </p:cSld>
+  <p:clrMapOvr>
+    <a:masterClrMapping/>
+  </p:clrMapOvr>
+  <p:timing>
+    <p:tnLst>
+      <p:par>
+        <p:cTn id="1" dur="indefinite" restart="never" nodeType="tmRoot"/>
+      </p:par>
+    </p:tnLst>
+  </p:timing>
+</p:sld>
+</file>
+
 <file path=ppt/theme/theme1.xml><?xml version="1.0" encoding="utf-8"?>
 <a:theme xmlns:a="http://schemas.openxmlformats.org/drawingml/2006/main" name="Tema do Office">
   <a:themeElements>
